--- a/CafeBar.pptx
+++ b/CafeBar.pptx
@@ -16,8 +16,9 @@
     <p:sldId id="260" r:id="rId10"/>
     <p:sldId id="261" r:id="rId11"/>
     <p:sldId id="262" r:id="rId12"/>
-    <p:sldId id="268" r:id="rId13"/>
-    <p:sldId id="269" r:id="rId14"/>
+    <p:sldId id="270" r:id="rId13"/>
+    <p:sldId id="268" r:id="rId14"/>
+    <p:sldId id="269" r:id="rId15"/>
   </p:sldIdLst>
   <p:sldSz cx="12192000" cy="6858000"/>
   <p:notesSz cx="6858000" cy="9144000"/>
@@ -307,7 +308,7 @@
           <a:p>
             <a:fld id="{4AAD347D-5ACD-4C99-B74B-A9C85AD731AF}" type="datetimeFigureOut">
               <a:rPr lang="en-US" dirty="0"/>
-              <a:t>12/13/2021</a:t>
+              <a:t>12/14/2021</a:t>
             </a:fld>
             <a:endParaRPr lang="en-US" dirty="0"/>
           </a:p>
@@ -577,7 +578,7 @@
           <a:p>
             <a:fld id="{4509A250-FF31-4206-8172-F9D3106AACB1}" type="datetimeFigureOut">
               <a:rPr lang="en-US" dirty="0"/>
-              <a:t>12/13/2021</a:t>
+              <a:t>12/14/2021</a:t>
             </a:fld>
             <a:endParaRPr lang="en-US" dirty="0"/>
           </a:p>
@@ -766,7 +767,7 @@
           <a:p>
             <a:fld id="{4509A250-FF31-4206-8172-F9D3106AACB1}" type="datetimeFigureOut">
               <a:rPr lang="en-US" dirty="0"/>
-              <a:t>12/13/2021</a:t>
+              <a:t>12/14/2021</a:t>
             </a:fld>
             <a:endParaRPr lang="en-US" dirty="0"/>
           </a:p>
@@ -1029,7 +1030,7 @@
           <a:p>
             <a:fld id="{4509A250-FF31-4206-8172-F9D3106AACB1}" type="datetimeFigureOut">
               <a:rPr lang="en-US" dirty="0"/>
-              <a:t>12/13/2021</a:t>
+              <a:t>12/14/2021</a:t>
             </a:fld>
             <a:endParaRPr lang="en-US" dirty="0"/>
           </a:p>
@@ -1356,7 +1357,7 @@
           <a:p>
             <a:fld id="{4509A250-FF31-4206-8172-F9D3106AACB1}" type="datetimeFigureOut">
               <a:rPr lang="en-US" dirty="0"/>
-              <a:t>12/13/2021</a:t>
+              <a:t>12/14/2021</a:t>
             </a:fld>
             <a:endParaRPr lang="en-US" dirty="0"/>
           </a:p>
@@ -1961,7 +1962,7 @@
           <a:p>
             <a:fld id="{4509A250-FF31-4206-8172-F9D3106AACB1}" type="datetimeFigureOut">
               <a:rPr lang="en-US" dirty="0"/>
-              <a:t>12/13/2021</a:t>
+              <a:t>12/14/2021</a:t>
             </a:fld>
             <a:endParaRPr lang="en-US" dirty="0"/>
           </a:p>
@@ -2803,7 +2804,7 @@
           <a:p>
             <a:fld id="{4509A250-FF31-4206-8172-F9D3106AACB1}" type="datetimeFigureOut">
               <a:rPr lang="en-US" dirty="0"/>
-              <a:t>12/13/2021</a:t>
+              <a:t>12/14/2021</a:t>
             </a:fld>
             <a:endParaRPr lang="en-US" dirty="0"/>
           </a:p>
@@ -2968,7 +2969,7 @@
           <a:p>
             <a:fld id="{4509A250-FF31-4206-8172-F9D3106AACB1}" type="datetimeFigureOut">
               <a:rPr lang="en-US" dirty="0"/>
-              <a:t>12/13/2021</a:t>
+              <a:t>12/14/2021</a:t>
             </a:fld>
             <a:endParaRPr lang="en-US" dirty="0"/>
           </a:p>
@@ -3143,7 +3144,7 @@
           <a:p>
             <a:fld id="{4509A250-FF31-4206-8172-F9D3106AACB1}" type="datetimeFigureOut">
               <a:rPr lang="en-US" dirty="0"/>
-              <a:t>12/13/2021</a:t>
+              <a:t>12/14/2021</a:t>
             </a:fld>
             <a:endParaRPr lang="en-US" dirty="0"/>
           </a:p>
@@ -3308,7 +3309,7 @@
           <a:p>
             <a:fld id="{4509A250-FF31-4206-8172-F9D3106AACB1}" type="datetimeFigureOut">
               <a:rPr lang="en-US" dirty="0"/>
-              <a:t>12/13/2021</a:t>
+              <a:t>12/14/2021</a:t>
             </a:fld>
             <a:endParaRPr lang="en-US" dirty="0"/>
           </a:p>
@@ -3547,7 +3548,7 @@
           <a:p>
             <a:fld id="{4509A250-FF31-4206-8172-F9D3106AACB1}" type="datetimeFigureOut">
               <a:rPr lang="en-US" dirty="0"/>
-              <a:t>12/13/2021</a:t>
+              <a:t>12/14/2021</a:t>
             </a:fld>
             <a:endParaRPr lang="en-US" dirty="0"/>
           </a:p>
@@ -3834,7 +3835,7 @@
           <a:p>
             <a:fld id="{4509A250-FF31-4206-8172-F9D3106AACB1}" type="datetimeFigureOut">
               <a:rPr lang="en-US" dirty="0"/>
-              <a:t>12/13/2021</a:t>
+              <a:t>12/14/2021</a:t>
             </a:fld>
             <a:endParaRPr lang="en-US" dirty="0"/>
           </a:p>
@@ -4267,7 +4268,7 @@
           <a:p>
             <a:fld id="{4509A250-FF31-4206-8172-F9D3106AACB1}" type="datetimeFigureOut">
               <a:rPr lang="en-US" dirty="0"/>
-              <a:t>12/13/2021</a:t>
+              <a:t>12/14/2021</a:t>
             </a:fld>
             <a:endParaRPr lang="en-US" dirty="0"/>
           </a:p>
@@ -4380,7 +4381,7 @@
           <a:p>
             <a:fld id="{4509A250-FF31-4206-8172-F9D3106AACB1}" type="datetimeFigureOut">
               <a:rPr lang="en-US" dirty="0"/>
-              <a:t>12/13/2021</a:t>
+              <a:t>12/14/2021</a:t>
             </a:fld>
             <a:endParaRPr lang="en-US" dirty="0"/>
           </a:p>
@@ -4470,7 +4471,7 @@
           <a:p>
             <a:fld id="{4509A250-FF31-4206-8172-F9D3106AACB1}" type="datetimeFigureOut">
               <a:rPr lang="en-US" dirty="0"/>
-              <a:t>12/13/2021</a:t>
+              <a:t>12/14/2021</a:t>
             </a:fld>
             <a:endParaRPr lang="en-US" dirty="0"/>
           </a:p>
@@ -4744,7 +4745,7 @@
           <a:p>
             <a:fld id="{4509A250-FF31-4206-8172-F9D3106AACB1}" type="datetimeFigureOut">
               <a:rPr lang="en-US" dirty="0"/>
-              <a:t>12/13/2021</a:t>
+              <a:t>12/14/2021</a:t>
             </a:fld>
             <a:endParaRPr lang="en-US" dirty="0"/>
           </a:p>
@@ -5014,7 +5015,7 @@
           <a:p>
             <a:fld id="{4509A250-FF31-4206-8172-F9D3106AACB1}" type="datetimeFigureOut">
               <a:rPr lang="en-US" dirty="0"/>
-              <a:t>12/13/2021</a:t>
+              <a:t>12/14/2021</a:t>
             </a:fld>
             <a:endParaRPr lang="en-US" dirty="0"/>
           </a:p>
@@ -5438,7 +5439,7 @@
           <a:p>
             <a:fld id="{4509A250-FF31-4206-8172-F9D3106AACB1}" type="datetimeFigureOut">
               <a:rPr lang="en-US" dirty="0"/>
-              <a:t>12/13/2021</a:t>
+              <a:t>12/14/2021</a:t>
             </a:fld>
             <a:endParaRPr lang="en-US" dirty="0"/>
           </a:p>
@@ -6586,6 +6587,124 @@
           <a:p>
             <a:r>
               <a:rPr lang="ru-RU" dirty="0" smtClean="0"/>
+              <a:t>Представления</a:t>
+            </a:r>
+            <a:endParaRPr lang="en-GB" dirty="0"/>
+          </a:p>
+        </p:txBody>
+      </p:sp>
+      <p:sp>
+        <p:nvSpPr>
+          <p:cNvPr id="3" name="Content Placeholder 2"/>
+          <p:cNvSpPr>
+            <a:spLocks noGrp="1"/>
+          </p:cNvSpPr>
+          <p:nvPr>
+            <p:ph idx="1"/>
+          </p:nvPr>
+        </p:nvSpPr>
+        <p:spPr/>
+        <p:txBody>
+          <a:bodyPr>
+            <a:normAutofit/>
+          </a:bodyPr>
+          <a:lstStyle/>
+          <a:p>
+            <a:r>
+              <a:rPr lang="et-EE" dirty="0" smtClean="0"/>
+              <a:t>prDirektor – </a:t>
+            </a:r>
+            <a:r>
+              <a:rPr lang="ru-RU" dirty="0" smtClean="0"/>
+              <a:t>представление директора. Доступен просмотр всех данных.</a:t>
+            </a:r>
+          </a:p>
+          <a:p>
+            <a:r>
+              <a:rPr lang="et-EE" dirty="0" smtClean="0"/>
+              <a:t>prEmployer - </a:t>
+            </a:r>
+            <a:r>
+              <a:rPr lang="ru-RU" dirty="0"/>
+              <a:t>представление </a:t>
+            </a:r>
+            <a:r>
+              <a:rPr lang="ru-RU" dirty="0" smtClean="0"/>
+              <a:t>сотрудника. Доступен просмотр данных клиентов, и своих собственных.</a:t>
+            </a:r>
+          </a:p>
+          <a:p>
+            <a:r>
+              <a:rPr lang="et-EE" dirty="0" smtClean="0"/>
+              <a:t>pr</a:t>
+            </a:r>
+            <a:r>
+              <a:rPr lang="en-US" dirty="0" smtClean="0"/>
+              <a:t>Client - </a:t>
+            </a:r>
+            <a:r>
+              <a:rPr lang="ru-RU" dirty="0"/>
+              <a:t>представление </a:t>
+            </a:r>
+            <a:r>
+              <a:rPr lang="ru-RU" dirty="0" smtClean="0"/>
+              <a:t>клиента. </a:t>
+            </a:r>
+            <a:r>
+              <a:rPr lang="ru-RU" smtClean="0"/>
+              <a:t>Доступен просмотр своих данных, чека и корзины.</a:t>
+            </a:r>
+            <a:endParaRPr lang="ru-RU" dirty="0"/>
+          </a:p>
+        </p:txBody>
+      </p:sp>
+    </p:spTree>
+    <p:extLst>
+      <p:ext uri="{BB962C8B-B14F-4D97-AF65-F5344CB8AC3E}">
+        <p14:creationId xmlns:p14="http://schemas.microsoft.com/office/powerpoint/2010/main" val="3805307436"/>
+      </p:ext>
+    </p:extLst>
+  </p:cSld>
+  <p:clrMapOvr>
+    <a:masterClrMapping/>
+  </p:clrMapOvr>
+</p:sld>
+</file>
+
+<file path=ppt/slides/slide13.xml><?xml version="1.0" encoding="utf-8"?>
+<p:sld xmlns:a="http://schemas.openxmlformats.org/drawingml/2006/main" xmlns:r="http://schemas.openxmlformats.org/officeDocument/2006/relationships" xmlns:p="http://schemas.openxmlformats.org/presentationml/2006/main">
+  <p:cSld>
+    <p:spTree>
+      <p:nvGrpSpPr>
+        <p:cNvPr id="1" name=""/>
+        <p:cNvGrpSpPr/>
+        <p:nvPr/>
+      </p:nvGrpSpPr>
+      <p:grpSpPr>
+        <a:xfrm>
+          <a:off x="0" y="0"/>
+          <a:ext cx="0" cy="0"/>
+          <a:chOff x="0" y="0"/>
+          <a:chExt cx="0" cy="0"/>
+        </a:xfrm>
+      </p:grpSpPr>
+      <p:sp>
+        <p:nvSpPr>
+          <p:cNvPr id="2" name="Title 1"/>
+          <p:cNvSpPr>
+            <a:spLocks noGrp="1"/>
+          </p:cNvSpPr>
+          <p:nvPr>
+            <p:ph type="title"/>
+          </p:nvPr>
+        </p:nvSpPr>
+        <p:spPr/>
+        <p:txBody>
+          <a:bodyPr/>
+          <a:lstStyle/>
+          <a:p>
+            <a:r>
+              <a:rPr lang="ru-RU" dirty="0" smtClean="0"/>
               <a:t>Бэкапы</a:t>
             </a:r>
             <a:endParaRPr lang="en-GB" dirty="0"/>
@@ -6685,7 +6804,7 @@
 </p:sld>
 </file>
 
-<file path=ppt/slides/slide13.xml><?xml version="1.0" encoding="utf-8"?>
+<file path=ppt/slides/slide14.xml><?xml version="1.0" encoding="utf-8"?>
 <p:sld xmlns:a="http://schemas.openxmlformats.org/drawingml/2006/main" xmlns:r="http://schemas.openxmlformats.org/officeDocument/2006/relationships" xmlns:p="http://schemas.openxmlformats.org/presentationml/2006/main">
   <p:cSld>
     <p:spTree>
@@ -7441,26 +7560,22 @@
       </p:sp>
       <p:pic>
         <p:nvPicPr>
-          <p:cNvPr id="4" name="Picture 3"/>
-          <p:cNvPicPr/>
+          <p:cNvPr id="5" name="Picture 4"/>
+          <p:cNvPicPr>
+            <a:picLocks noChangeAspect="1"/>
+          </p:cNvPicPr>
           <p:nvPr/>
         </p:nvPicPr>
         <p:blipFill>
-          <a:blip r:embed="rId2">
-            <a:extLst>
-              <a:ext uri="{28A0092B-C50C-407E-A947-70E740481C1C}">
-                <a14:useLocalDpi xmlns:a14="http://schemas.microsoft.com/office/drawing/2010/main" val="0"/>
-              </a:ext>
-            </a:extLst>
-          </a:blip>
+          <a:blip r:embed="rId2"/>
           <a:stretch>
             <a:fillRect/>
           </a:stretch>
         </p:blipFill>
         <p:spPr>
           <a:xfrm>
-            <a:off x="1859536" y="1288146"/>
-            <a:ext cx="8190317" cy="5373829"/>
+            <a:off x="2205296" y="1152983"/>
+            <a:ext cx="7237961" cy="5582314"/>
           </a:xfrm>
           <a:prstGeom prst="rect">
             <a:avLst/>

--- a/CafeBar.pptx
+++ b/CafeBar.pptx
@@ -9,16 +9,17 @@
     <p:sldId id="265" r:id="rId3"/>
     <p:sldId id="257" r:id="rId4"/>
     <p:sldId id="258" r:id="rId5"/>
-    <p:sldId id="266" r:id="rId6"/>
-    <p:sldId id="259" r:id="rId7"/>
-    <p:sldId id="263" r:id="rId8"/>
-    <p:sldId id="264" r:id="rId9"/>
-    <p:sldId id="260" r:id="rId10"/>
-    <p:sldId id="261" r:id="rId11"/>
-    <p:sldId id="262" r:id="rId12"/>
-    <p:sldId id="270" r:id="rId13"/>
-    <p:sldId id="268" r:id="rId14"/>
-    <p:sldId id="269" r:id="rId15"/>
+    <p:sldId id="271" r:id="rId6"/>
+    <p:sldId id="266" r:id="rId7"/>
+    <p:sldId id="259" r:id="rId8"/>
+    <p:sldId id="263" r:id="rId9"/>
+    <p:sldId id="264" r:id="rId10"/>
+    <p:sldId id="260" r:id="rId11"/>
+    <p:sldId id="261" r:id="rId12"/>
+    <p:sldId id="262" r:id="rId13"/>
+    <p:sldId id="270" r:id="rId14"/>
+    <p:sldId id="268" r:id="rId15"/>
+    <p:sldId id="269" r:id="rId16"/>
   </p:sldIdLst>
   <p:sldSz cx="12192000" cy="6858000"/>
   <p:notesSz cx="6858000" cy="9144000"/>
@@ -6365,7 +6366,7 @@
           <a:p>
             <a:r>
               <a:rPr lang="ru-RU" dirty="0" smtClean="0"/>
-              <a:t>Пользователи</a:t>
+              <a:t>Триггеры</a:t>
             </a:r>
             <a:endParaRPr lang="ru-RU" dirty="0"/>
           </a:p>
@@ -6387,57 +6388,82 @@
           <a:lstStyle/>
           <a:p>
             <a:r>
-              <a:rPr lang="et-EE" dirty="0" smtClean="0"/>
-              <a:t>usrAdmin - </a:t>
-            </a:r>
-            <a:r>
               <a:rPr lang="ru-RU" dirty="0" smtClean="0"/>
-              <a:t>Администратор – может просматривать, добавлять или удалять любые данные.</a:t>
-            </a:r>
-          </a:p>
-          <a:p>
-            <a:r>
-              <a:rPr lang="et-EE" dirty="0" smtClean="0"/>
-              <a:t>usrDirektor - </a:t>
+              <a:t>При добавлении клиента, по его дате рождения высчитывается возраст. Если возраст клиента </a:t>
+            </a:r>
+            <a:r>
+              <a:rPr lang="en-US" dirty="0" smtClean="0"/>
+              <a:t>&gt;=18</a:t>
             </a:r>
             <a:r>
               <a:rPr lang="ru-RU" dirty="0" smtClean="0"/>
-              <a:t>Директор – может просматривать все данные. Может добавлять или удалять данные сотрудников.</a:t>
-            </a:r>
-          </a:p>
-          <a:p>
-            <a:r>
-              <a:rPr lang="et-EE" dirty="0" smtClean="0"/>
-              <a:t>usrEmployer - </a:t>
+              <a:t>, ему присваивается статус 1</a:t>
+            </a:r>
+            <a:r>
+              <a:rPr lang="en-US" dirty="0" smtClean="0"/>
+              <a:t>;</a:t>
             </a:r>
             <a:r>
               <a:rPr lang="ru-RU" dirty="0" smtClean="0"/>
-              <a:t>Сотрудник – может просматривать данные клиентов, а так же свои собственные.</a:t>
-            </a:r>
-          </a:p>
-          <a:p>
-            <a:r>
-              <a:rPr lang="et-EE" dirty="0" smtClean="0"/>
-              <a:t>usrClient - </a:t>
-            </a:r>
-            <a:r>
-              <a:rPr lang="ru-RU" dirty="0" smtClean="0"/>
-              <a:t>Клиент – может просматривать только свои данные, чек, корзину.</a:t>
-            </a:r>
-            <a:endParaRPr lang="ru-RU" dirty="0"/>
-          </a:p>
-        </p:txBody>
-      </p:sp>
+              <a:t> если клиента </a:t>
+            </a:r>
+            <a:r>
+              <a:rPr lang="en-US" dirty="0" smtClean="0"/>
+              <a:t>&lt;18</a:t>
+            </a:r>
+            <a:r>
+              <a:rPr lang="ru-RU" dirty="0"/>
+              <a:t> , ему присваивается статус </a:t>
+            </a:r>
+            <a:r>
+              <a:rPr lang="en-US" dirty="0" smtClean="0"/>
+              <a:t>0.</a:t>
+            </a:r>
+            <a:endParaRPr lang="ru-RU" dirty="0" smtClean="0"/>
+          </a:p>
+        </p:txBody>
+      </p:sp>
+      <p:pic>
+        <p:nvPicPr>
+          <p:cNvPr id="4" name="Picture 3"/>
+          <p:cNvPicPr>
+            <a:picLocks noChangeAspect="1"/>
+          </p:cNvPicPr>
+          <p:nvPr/>
+        </p:nvPicPr>
+        <p:blipFill>
+          <a:blip r:embed="rId2"/>
+          <a:stretch>
+            <a:fillRect/>
+          </a:stretch>
+        </p:blipFill>
+        <p:spPr>
+          <a:xfrm>
+            <a:off x="1103312" y="3132079"/>
+            <a:ext cx="9512762" cy="2562139"/>
+          </a:xfrm>
+          <a:prstGeom prst="rect">
+            <a:avLst/>
+          </a:prstGeom>
+        </p:spPr>
+      </p:pic>
     </p:spTree>
     <p:extLst>
       <p:ext uri="{BB962C8B-B14F-4D97-AF65-F5344CB8AC3E}">
-        <p14:creationId xmlns:p14="http://schemas.microsoft.com/office/powerpoint/2010/main" val="370445118"/>
+        <p14:creationId xmlns:p14="http://schemas.microsoft.com/office/powerpoint/2010/main" val="167372693"/>
       </p:ext>
     </p:extLst>
   </p:cSld>
   <p:clrMapOvr>
     <a:masterClrMapping/>
   </p:clrMapOvr>
+  <p:timing>
+    <p:tnLst>
+      <p:par>
+        <p:cTn id="1" dur="indefinite" restart="never" nodeType="tmRoot"/>
+      </p:par>
+    </p:tnLst>
+  </p:timing>
 </p:sld>
 </file>
 
@@ -6475,7 +6501,7 @@
           <a:p>
             <a:r>
               <a:rPr lang="ru-RU" dirty="0" smtClean="0"/>
-              <a:t>Роли</a:t>
+              <a:t>Пользователи</a:t>
             </a:r>
             <a:endParaRPr lang="ru-RU" dirty="0"/>
           </a:p>
@@ -6498,44 +6524,42 @@
           <a:p>
             <a:r>
               <a:rPr lang="et-EE" dirty="0" smtClean="0"/>
-              <a:t>rlAdmin – </a:t>
+              <a:t>usrAdmin - </a:t>
             </a:r>
             <a:r>
               <a:rPr lang="ru-RU" dirty="0" smtClean="0"/>
-              <a:t>роль администратора</a:t>
+              <a:t>Администратор – может просматривать, добавлять или удалять любые данные.</a:t>
             </a:r>
           </a:p>
           <a:p>
             <a:r>
               <a:rPr lang="et-EE" dirty="0" smtClean="0"/>
-              <a:t>rlDirektor – </a:t>
+              <a:t>usrDirektor - </a:t>
             </a:r>
             <a:r>
               <a:rPr lang="ru-RU" dirty="0" smtClean="0"/>
-              <a:t>роль директора</a:t>
+              <a:t>Директор – может просматривать все данные. Может добавлять или удалять данные сотрудников.</a:t>
             </a:r>
           </a:p>
           <a:p>
             <a:r>
               <a:rPr lang="et-EE" dirty="0" smtClean="0"/>
-              <a:t>rlEmployer – </a:t>
+              <a:t>usrEmployer - </a:t>
             </a:r>
             <a:r>
               <a:rPr lang="ru-RU" dirty="0" smtClean="0"/>
-              <a:t>роль сотрудника</a:t>
+              <a:t>Сотрудник – может просматривать данные клиентов, а так же свои собственные.</a:t>
             </a:r>
           </a:p>
           <a:p>
             <a:r>
               <a:rPr lang="et-EE" dirty="0" smtClean="0"/>
-              <a:t>rlClient – </a:t>
+              <a:t>usrClient - </a:t>
             </a:r>
             <a:r>
               <a:rPr lang="ru-RU" dirty="0" smtClean="0"/>
-              <a:t>роль клиента</a:t>
-            </a:r>
-          </a:p>
-          <a:p>
+              <a:t>Клиент – может просматривать только свои данные, чек, корзину.</a:t>
+            </a:r>
             <a:endParaRPr lang="ru-RU" dirty="0"/>
           </a:p>
         </p:txBody>
@@ -6543,7 +6567,7 @@
     </p:spTree>
     <p:extLst>
       <p:ext uri="{BB962C8B-B14F-4D97-AF65-F5344CB8AC3E}">
-        <p14:creationId xmlns:p14="http://schemas.microsoft.com/office/powerpoint/2010/main" val="71061050"/>
+        <p14:creationId xmlns:p14="http://schemas.microsoft.com/office/powerpoint/2010/main" val="370445118"/>
       </p:ext>
     </p:extLst>
   </p:cSld>
@@ -6572,6 +6596,171 @@
       </p:grpSpPr>
       <p:sp>
         <p:nvSpPr>
+          <p:cNvPr id="2" name="Заголовок 1"/>
+          <p:cNvSpPr>
+            <a:spLocks noGrp="1"/>
+          </p:cNvSpPr>
+          <p:nvPr>
+            <p:ph type="title"/>
+          </p:nvPr>
+        </p:nvSpPr>
+        <p:spPr/>
+        <p:txBody>
+          <a:bodyPr/>
+          <a:lstStyle/>
+          <a:p>
+            <a:r>
+              <a:rPr lang="ru-RU" dirty="0" smtClean="0"/>
+              <a:t>Роли</a:t>
+            </a:r>
+            <a:endParaRPr lang="ru-RU" dirty="0"/>
+          </a:p>
+        </p:txBody>
+      </p:sp>
+      <p:sp>
+        <p:nvSpPr>
+          <p:cNvPr id="3" name="Объект 2"/>
+          <p:cNvSpPr>
+            <a:spLocks noGrp="1"/>
+          </p:cNvSpPr>
+          <p:nvPr>
+            <p:ph idx="1"/>
+          </p:nvPr>
+        </p:nvSpPr>
+        <p:spPr/>
+        <p:txBody>
+          <a:bodyPr/>
+          <a:lstStyle/>
+          <a:p>
+            <a:r>
+              <a:rPr lang="et-EE" dirty="0" smtClean="0"/>
+              <a:t>rlAdmin – </a:t>
+            </a:r>
+            <a:r>
+              <a:rPr lang="ru-RU" dirty="0" smtClean="0"/>
+              <a:t>роль администратора</a:t>
+            </a:r>
+          </a:p>
+          <a:p>
+            <a:r>
+              <a:rPr lang="et-EE" dirty="0" smtClean="0"/>
+              <a:t>rlDirektor – </a:t>
+            </a:r>
+            <a:r>
+              <a:rPr lang="ru-RU" dirty="0" smtClean="0"/>
+              <a:t>роль директора</a:t>
+            </a:r>
+          </a:p>
+          <a:p>
+            <a:r>
+              <a:rPr lang="et-EE" dirty="0" smtClean="0"/>
+              <a:t>rlEmployer – </a:t>
+            </a:r>
+            <a:r>
+              <a:rPr lang="ru-RU" dirty="0" smtClean="0"/>
+              <a:t>роль сотрудника</a:t>
+            </a:r>
+          </a:p>
+          <a:p>
+            <a:r>
+              <a:rPr lang="et-EE" dirty="0" smtClean="0"/>
+              <a:t>rlClient – </a:t>
+            </a:r>
+            <a:r>
+              <a:rPr lang="ru-RU" dirty="0" smtClean="0"/>
+              <a:t>роль клиента</a:t>
+            </a:r>
+          </a:p>
+          <a:p>
+            <a:endParaRPr lang="ru-RU" dirty="0"/>
+          </a:p>
+        </p:txBody>
+      </p:sp>
+      <p:pic>
+        <p:nvPicPr>
+          <p:cNvPr id="4" name="Picture 3"/>
+          <p:cNvPicPr>
+            <a:picLocks noChangeAspect="1"/>
+          </p:cNvPicPr>
+          <p:nvPr/>
+        </p:nvPicPr>
+        <p:blipFill rotWithShape="1">
+          <a:blip r:embed="rId2"/>
+          <a:srcRect t="2907"/>
+          <a:stretch/>
+        </p:blipFill>
+        <p:spPr>
+          <a:xfrm>
+            <a:off x="7403436" y="2422250"/>
+            <a:ext cx="3419735" cy="2515403"/>
+          </a:xfrm>
+          <a:prstGeom prst="rect">
+            <a:avLst/>
+          </a:prstGeom>
+        </p:spPr>
+      </p:pic>
+      <p:sp>
+        <p:nvSpPr>
+          <p:cNvPr id="5" name="TextBox 4"/>
+          <p:cNvSpPr txBox="1"/>
+          <p:nvPr/>
+        </p:nvSpPr>
+        <p:spPr>
+          <a:xfrm>
+            <a:off x="7403436" y="1919084"/>
+            <a:ext cx="1537600" cy="369332"/>
+          </a:xfrm>
+          <a:prstGeom prst="rect">
+            <a:avLst/>
+          </a:prstGeom>
+          <a:noFill/>
+        </p:spPr>
+        <p:txBody>
+          <a:bodyPr wrap="none" rtlCol="0">
+            <a:spAutoFit/>
+          </a:bodyPr>
+          <a:lstStyle/>
+          <a:p>
+            <a:r>
+              <a:rPr lang="ru-RU" dirty="0" smtClean="0"/>
+              <a:t>Роли в базе</a:t>
+            </a:r>
+            <a:endParaRPr lang="en-GB" dirty="0"/>
+          </a:p>
+        </p:txBody>
+      </p:sp>
+    </p:spTree>
+    <p:extLst>
+      <p:ext uri="{BB962C8B-B14F-4D97-AF65-F5344CB8AC3E}">
+        <p14:creationId xmlns:p14="http://schemas.microsoft.com/office/powerpoint/2010/main" val="71061050"/>
+      </p:ext>
+    </p:extLst>
+  </p:cSld>
+  <p:clrMapOvr>
+    <a:masterClrMapping/>
+  </p:clrMapOvr>
+</p:sld>
+</file>
+
+<file path=ppt/slides/slide13.xml><?xml version="1.0" encoding="utf-8"?>
+<p:sld xmlns:a="http://schemas.openxmlformats.org/drawingml/2006/main" xmlns:r="http://schemas.openxmlformats.org/officeDocument/2006/relationships" xmlns:p="http://schemas.openxmlformats.org/presentationml/2006/main">
+  <p:cSld>
+    <p:spTree>
+      <p:nvGrpSpPr>
+        <p:cNvPr id="1" name=""/>
+        <p:cNvGrpSpPr/>
+        <p:nvPr/>
+      </p:nvGrpSpPr>
+      <p:grpSpPr>
+        <a:xfrm>
+          <a:off x="0" y="0"/>
+          <a:ext cx="0" cy="0"/>
+          <a:chOff x="0" y="0"/>
+          <a:chExt cx="0" cy="0"/>
+        </a:xfrm>
+      </p:grpSpPr>
+      <p:sp>
+        <p:nvSpPr>
           <p:cNvPr id="2" name="Title 1"/>
           <p:cNvSpPr>
             <a:spLocks noGrp="1"/>
@@ -6671,7 +6860,7 @@
 </p:sld>
 </file>
 
-<file path=ppt/slides/slide13.xml><?xml version="1.0" encoding="utf-8"?>
+<file path=ppt/slides/slide14.xml><?xml version="1.0" encoding="utf-8"?>
 <p:sld xmlns:a="http://schemas.openxmlformats.org/drawingml/2006/main" xmlns:r="http://schemas.openxmlformats.org/officeDocument/2006/relationships" xmlns:p="http://schemas.openxmlformats.org/presentationml/2006/main">
   <p:cSld>
     <p:spTree>
@@ -6804,7 +6993,7 @@
 </p:sld>
 </file>
 
-<file path=ppt/slides/slide14.xml><?xml version="1.0" encoding="utf-8"?>
+<file path=ppt/slides/slide15.xml><?xml version="1.0" encoding="utf-8"?>
 <p:sld xmlns:a="http://schemas.openxmlformats.org/drawingml/2006/main" xmlns:r="http://schemas.openxmlformats.org/officeDocument/2006/relationships" xmlns:p="http://schemas.openxmlformats.org/presentationml/2006/main">
   <p:cSld>
     <p:spTree>
@@ -7636,7 +7825,7 @@
           <a:p>
             <a:r>
               <a:rPr lang="ru-RU" dirty="0" smtClean="0"/>
-              <a:t>Функции</a:t>
+              <a:t>Ограничения</a:t>
             </a:r>
             <a:endParaRPr lang="en-GB" dirty="0"/>
           </a:p>
@@ -7658,44 +7847,40 @@
           <a:lstStyle/>
           <a:p>
             <a:r>
-              <a:rPr lang="en-GB" dirty="0" err="1" smtClean="0"/>
-              <a:t>fnFindDrinks</a:t>
+              <a:rPr lang="ru-RU" dirty="0" smtClean="0"/>
+              <a:t>Все поля имеют свойство </a:t>
             </a:r>
             <a:r>
               <a:rPr lang="et-EE" dirty="0" smtClean="0"/>
-              <a:t> - </a:t>
-            </a:r>
+              <a:t>NOT NULL.</a:t>
+            </a:r>
+          </a:p>
+          <a:p>
             <a:r>
               <a:rPr lang="ru-RU" dirty="0" smtClean="0"/>
-              <a:t>Просмотр напитков</a:t>
-            </a:r>
-          </a:p>
-          <a:p>
-            <a:r>
-              <a:rPr lang="en-GB" dirty="0" err="1" smtClean="0"/>
-              <a:t>fnFindSnacks</a:t>
+              <a:t>Все поля с кодом имею свойство </a:t>
             </a:r>
             <a:r>
               <a:rPr lang="et-EE" dirty="0" smtClean="0"/>
-              <a:t> - </a:t>
-            </a:r>
+              <a:t>IDENTITY.</a:t>
+            </a:r>
+          </a:p>
+          <a:p>
             <a:r>
               <a:rPr lang="ru-RU" dirty="0" smtClean="0"/>
-              <a:t>Просмотр закусок</a:t>
-            </a:r>
-          </a:p>
-          <a:p>
-            <a:r>
-              <a:rPr lang="en-GB" dirty="0" err="1" smtClean="0"/>
-              <a:t>fnFindCategories</a:t>
+              <a:t>Статус клиента имеет свойство </a:t>
             </a:r>
             <a:r>
               <a:rPr lang="et-EE" dirty="0" smtClean="0"/>
-              <a:t> - </a:t>
+              <a:t>DEFAULT </a:t>
+            </a:r>
+            <a:r>
+              <a:rPr lang="en-US" dirty="0" smtClean="0"/>
+              <a:t>= 0, </a:t>
             </a:r>
             <a:r>
               <a:rPr lang="ru-RU" dirty="0" smtClean="0"/>
-              <a:t>Просмотр категорий</a:t>
+              <a:t>статус будет 0, до того как сработает триггер.</a:t>
             </a:r>
             <a:endParaRPr lang="en-GB" dirty="0"/>
           </a:p>
@@ -7704,20 +7889,13 @@
     </p:spTree>
     <p:extLst>
       <p:ext uri="{BB962C8B-B14F-4D97-AF65-F5344CB8AC3E}">
-        <p14:creationId xmlns:p14="http://schemas.microsoft.com/office/powerpoint/2010/main" val="855435137"/>
+        <p14:creationId xmlns:p14="http://schemas.microsoft.com/office/powerpoint/2010/main" val="3721170354"/>
       </p:ext>
     </p:extLst>
   </p:cSld>
   <p:clrMapOvr>
     <a:masterClrMapping/>
   </p:clrMapOvr>
-  <p:timing>
-    <p:tnLst>
-      <p:par>
-        <p:cTn id="1" dur="indefinite" restart="never" nodeType="tmRoot"/>
-      </p:par>
-    </p:tnLst>
-  </p:timing>
 </p:sld>
 </file>
 
@@ -7740,7 +7918,7 @@
       </p:grpSpPr>
       <p:sp>
         <p:nvSpPr>
-          <p:cNvPr id="2" name="Заголовок 1"/>
+          <p:cNvPr id="2" name="Title 1"/>
           <p:cNvSpPr>
             <a:spLocks noGrp="1"/>
           </p:cNvSpPr>
@@ -7755,15 +7933,15 @@
           <a:p>
             <a:r>
               <a:rPr lang="ru-RU" dirty="0" smtClean="0"/>
-              <a:t>Процедуры</a:t>
-            </a:r>
-            <a:endParaRPr lang="ru-RU" dirty="0"/>
-          </a:p>
-        </p:txBody>
-      </p:sp>
-      <p:sp>
-        <p:nvSpPr>
-          <p:cNvPr id="3" name="Объект 2"/>
+              <a:t>Функции</a:t>
+            </a:r>
+            <a:endParaRPr lang="en-GB" dirty="0"/>
+          </a:p>
+        </p:txBody>
+      </p:sp>
+      <p:sp>
+        <p:nvSpPr>
+          <p:cNvPr id="3" name="Content Placeholder 2"/>
           <p:cNvSpPr>
             <a:spLocks noGrp="1"/>
           </p:cNvSpPr>
@@ -7777,76 +7955,107 @@
           <a:lstStyle/>
           <a:p>
             <a:r>
+              <a:rPr lang="en-GB" dirty="0" err="1" smtClean="0"/>
+              <a:t>fnFindDrinks</a:t>
+            </a:r>
+            <a:r>
               <a:rPr lang="et-EE" dirty="0" smtClean="0"/>
-              <a:t>fnAddClient – </a:t>
+              <a:t> - </a:t>
             </a:r>
             <a:r>
               <a:rPr lang="ru-RU" dirty="0" smtClean="0"/>
-              <a:t>процедура для добавления клиента.</a:t>
-            </a:r>
-          </a:p>
-          <a:p>
+              <a:t>Просмотр напитков</a:t>
+            </a:r>
+          </a:p>
+          <a:p>
+            <a:r>
+              <a:rPr lang="en-GB" dirty="0" err="1" smtClean="0"/>
+              <a:t>fnFindSnacks</a:t>
+            </a:r>
+            <a:r>
+              <a:rPr lang="et-EE" dirty="0" smtClean="0"/>
+              <a:t> - </a:t>
+            </a:r>
             <a:r>
               <a:rPr lang="ru-RU" dirty="0" smtClean="0"/>
-              <a:t>Принимает имя, почту, телефон и дату рождения.</a:t>
-            </a:r>
-          </a:p>
-          <a:p>
+              <a:t>Просмотр закусок</a:t>
+            </a:r>
+          </a:p>
+          <a:p>
+            <a:r>
+              <a:rPr lang="en-GB" dirty="0" err="1" smtClean="0"/>
+              <a:t>fnFindCategories</a:t>
+            </a:r>
+            <a:r>
+              <a:rPr lang="et-EE" dirty="0" smtClean="0"/>
+              <a:t> - </a:t>
+            </a:r>
             <a:r>
               <a:rPr lang="ru-RU" dirty="0" smtClean="0"/>
-              <a:t>Статус ставится автоматически триггером.</a:t>
-            </a:r>
-          </a:p>
-          <a:p>
-            <a:endParaRPr lang="ru-RU" dirty="0" smtClean="0"/>
-          </a:p>
-          <a:p>
-            <a:r>
-              <a:rPr lang="et-EE" dirty="0" smtClean="0"/>
-              <a:t>fnAddBill - </a:t>
-            </a:r>
-            <a:r>
-              <a:rPr lang="ru-RU" dirty="0"/>
-              <a:t>процедура для добавления </a:t>
-            </a:r>
+              <a:t>Просмотр категорий</a:t>
+            </a:r>
+            <a:endParaRPr lang="en-GB" dirty="0"/>
+          </a:p>
+        </p:txBody>
+      </p:sp>
+      <p:pic>
+        <p:nvPicPr>
+          <p:cNvPr id="4" name="Picture 3"/>
+          <p:cNvPicPr>
+            <a:picLocks noChangeAspect="1"/>
+          </p:cNvPicPr>
+          <p:nvPr/>
+        </p:nvPicPr>
+        <p:blipFill>
+          <a:blip r:embed="rId2"/>
+          <a:stretch>
+            <a:fillRect/>
+          </a:stretch>
+        </p:blipFill>
+        <p:spPr>
+          <a:xfrm>
+            <a:off x="1103312" y="4326082"/>
+            <a:ext cx="6724650" cy="1447800"/>
+          </a:xfrm>
+          <a:prstGeom prst="rect">
+            <a:avLst/>
+          </a:prstGeom>
+        </p:spPr>
+      </p:pic>
+      <p:sp>
+        <p:nvSpPr>
+          <p:cNvPr id="5" name="TextBox 4"/>
+          <p:cNvSpPr txBox="1"/>
+          <p:nvPr/>
+        </p:nvSpPr>
+        <p:spPr>
+          <a:xfrm>
+            <a:off x="1103312" y="3956750"/>
+            <a:ext cx="2279791" cy="369332"/>
+          </a:xfrm>
+          <a:prstGeom prst="rect">
+            <a:avLst/>
+          </a:prstGeom>
+          <a:noFill/>
+        </p:spPr>
+        <p:txBody>
+          <a:bodyPr wrap="none" rtlCol="0">
+            <a:spAutoFit/>
+          </a:bodyPr>
+          <a:lstStyle/>
+          <a:p>
             <a:r>
               <a:rPr lang="ru-RU" dirty="0" smtClean="0"/>
-              <a:t>чека.</a:t>
-            </a:r>
-          </a:p>
-          <a:p>
-            <a:r>
-              <a:rPr lang="ru-RU" dirty="0" smtClean="0"/>
-              <a:t>Принимает </a:t>
-            </a:r>
-            <a:r>
-              <a:rPr lang="et-EE" dirty="0" smtClean="0"/>
-              <a:t>id </a:t>
-            </a:r>
-            <a:r>
-              <a:rPr lang="ru-RU" dirty="0" smtClean="0"/>
-              <a:t>клиента, дату оплаты, тип оплаты.</a:t>
-            </a:r>
-          </a:p>
-          <a:p>
-            <a:r>
-              <a:rPr lang="ru-RU" dirty="0" smtClean="0"/>
-              <a:t>Статус </a:t>
-            </a:r>
-            <a:r>
-              <a:rPr lang="ru-RU" dirty="0"/>
-              <a:t>ставится автоматически триггером.</a:t>
-            </a:r>
-          </a:p>
-          <a:p>
-            <a:endParaRPr lang="ru-RU" dirty="0" smtClean="0"/>
+              <a:t>Пример функции</a:t>
+            </a:r>
+            <a:endParaRPr lang="en-GB" dirty="0"/>
           </a:p>
         </p:txBody>
       </p:sp>
     </p:spTree>
     <p:extLst>
       <p:ext uri="{BB962C8B-B14F-4D97-AF65-F5344CB8AC3E}">
-        <p14:creationId xmlns:p14="http://schemas.microsoft.com/office/powerpoint/2010/main" val="784094662"/>
+        <p14:creationId xmlns:p14="http://schemas.microsoft.com/office/powerpoint/2010/main" val="855435137"/>
       </p:ext>
     </p:extLst>
   </p:cSld>
@@ -7920,15 +8129,40 @@
           <a:p>
             <a:r>
               <a:rPr lang="et-EE" dirty="0" smtClean="0"/>
-              <a:t>fnAddCart – </a:t>
+              <a:t>fnAddClient – </a:t>
+            </a:r>
+            <a:r>
+              <a:rPr lang="ru-RU" dirty="0" smtClean="0"/>
+              <a:t>процедура для добавления клиента.</a:t>
+            </a:r>
+          </a:p>
+          <a:p>
+            <a:r>
+              <a:rPr lang="ru-RU" dirty="0" smtClean="0"/>
+              <a:t>Принимает имя, почту, телефон и дату рождения.</a:t>
+            </a:r>
+          </a:p>
+          <a:p>
+            <a:r>
+              <a:rPr lang="ru-RU" dirty="0" smtClean="0"/>
+              <a:t>Статус ставится автоматически триггером.</a:t>
+            </a:r>
+          </a:p>
+          <a:p>
+            <a:endParaRPr lang="ru-RU" dirty="0" smtClean="0"/>
+          </a:p>
+          <a:p>
+            <a:r>
+              <a:rPr lang="et-EE" dirty="0" smtClean="0"/>
+              <a:t>fnAddBill - </a:t>
             </a:r>
             <a:r>
               <a:rPr lang="ru-RU" dirty="0"/>
-              <a:t>процедура </a:t>
+              <a:t>процедура для добавления </a:t>
             </a:r>
             <a:r>
               <a:rPr lang="ru-RU" dirty="0" smtClean="0"/>
-              <a:t>добавления корзины.</a:t>
+              <a:t>чека.</a:t>
             </a:r>
           </a:p>
           <a:p>
@@ -7942,86 +8176,28 @@
             </a:r>
             <a:r>
               <a:rPr lang="ru-RU" dirty="0" smtClean="0"/>
-              <a:t>чека, </a:t>
-            </a:r>
-            <a:r>
-              <a:rPr lang="et-EE" dirty="0" smtClean="0"/>
-              <a:t>id </a:t>
-            </a:r>
+              <a:t>клиента, дату оплаты, тип оплаты.</a:t>
+            </a:r>
+          </a:p>
+          <a:p>
             <a:r>
               <a:rPr lang="ru-RU" dirty="0" smtClean="0"/>
-              <a:t>продуктов, единицы для каждого продукта.</a:t>
-            </a:r>
-          </a:p>
-          <a:p>
-            <a:endParaRPr lang="ru-RU" dirty="0"/>
-          </a:p>
-          <a:p>
-            <a:r>
-              <a:rPr lang="et-EE" dirty="0" smtClean="0"/>
-              <a:t>FnAddCategory – </a:t>
+              <a:t>Статус </a:t>
             </a:r>
             <a:r>
               <a:rPr lang="ru-RU" dirty="0"/>
-              <a:t>процедура </a:t>
-            </a:r>
-            <a:r>
-              <a:rPr lang="ru-RU" dirty="0" smtClean="0"/>
-              <a:t>добавления категории.</a:t>
-            </a:r>
-          </a:p>
-          <a:p>
-            <a:r>
-              <a:rPr lang="ru-RU" dirty="0" smtClean="0"/>
-              <a:t>Принимает описание категории.</a:t>
-            </a:r>
-          </a:p>
-          <a:p>
-            <a:endParaRPr lang="ru-RU" dirty="0"/>
-          </a:p>
-          <a:p>
-            <a:r>
-              <a:rPr lang="et-EE" dirty="0" smtClean="0"/>
-              <a:t>fnAddEmployer – </a:t>
-            </a:r>
-            <a:r>
-              <a:rPr lang="ru-RU" dirty="0"/>
-              <a:t>процедура </a:t>
-            </a:r>
-            <a:r>
-              <a:rPr lang="ru-RU" dirty="0" smtClean="0"/>
-              <a:t>добавления работника.</a:t>
-            </a:r>
-          </a:p>
-          <a:p>
-            <a:r>
-              <a:rPr lang="ru-RU" dirty="0" smtClean="0"/>
-              <a:t>Принимает </a:t>
-            </a:r>
-            <a:r>
-              <a:rPr lang="et-EE" dirty="0" smtClean="0"/>
-              <a:t>id </a:t>
-            </a:r>
-            <a:r>
-              <a:rPr lang="ru-RU" dirty="0" smtClean="0"/>
-              <a:t>клиента, </a:t>
-            </a:r>
-            <a:r>
-              <a:rPr lang="et-EE" dirty="0" smtClean="0"/>
-              <a:t>id </a:t>
-            </a:r>
-            <a:r>
-              <a:rPr lang="ru-RU" dirty="0" smtClean="0"/>
-              <a:t>чека, имя, телефон, почту, зарплату.</a:t>
-            </a:r>
-            <a:endParaRPr lang="ru-RU" dirty="0"/>
+              <a:t>ставится автоматически триггером.</a:t>
+            </a:r>
+          </a:p>
+          <a:p>
+            <a:endParaRPr lang="ru-RU" dirty="0" smtClean="0"/>
           </a:p>
         </p:txBody>
       </p:sp>
     </p:spTree>
     <p:extLst>
       <p:ext uri="{BB962C8B-B14F-4D97-AF65-F5344CB8AC3E}">
-        <p14:creationId xmlns:p14="http://schemas.microsoft.com/office/powerpoint/2010/main" val="1182459047"/>
+        <p14:creationId xmlns:p14="http://schemas.microsoft.com/office/powerpoint/2010/main" val="784094662"/>
       </p:ext>
     </p:extLst>
   </p:cSld>
@@ -8095,7 +8271,7 @@
           <a:p>
             <a:r>
               <a:rPr lang="et-EE" dirty="0" smtClean="0"/>
-              <a:t>fnAddDrinks – </a:t>
+              <a:t>fnAddCart – </a:t>
             </a:r>
             <a:r>
               <a:rPr lang="ru-RU" dirty="0"/>
@@ -8103,13 +8279,29 @@
             </a:r>
             <a:r>
               <a:rPr lang="ru-RU" dirty="0" smtClean="0"/>
-              <a:t>добавления напитка.</a:t>
+              <a:t>добавления корзины.</a:t>
             </a:r>
           </a:p>
           <a:p>
             <a:r>
               <a:rPr lang="ru-RU" dirty="0" smtClean="0"/>
-              <a:t>Принимает категорию напитка, название и цену.</a:t>
+              <a:t>Принимает </a:t>
+            </a:r>
+            <a:r>
+              <a:rPr lang="et-EE" dirty="0" smtClean="0"/>
+              <a:t>id </a:t>
+            </a:r>
+            <a:r>
+              <a:rPr lang="ru-RU" dirty="0" smtClean="0"/>
+              <a:t>чека, </a:t>
+            </a:r>
+            <a:r>
+              <a:rPr lang="et-EE" dirty="0" smtClean="0"/>
+              <a:t>id </a:t>
+            </a:r>
+            <a:r>
+              <a:rPr lang="ru-RU" dirty="0" smtClean="0"/>
+              <a:t>продуктов, единицы для каждого продукта.</a:t>
             </a:r>
           </a:p>
           <a:p>
@@ -8118,21 +8310,60 @@
           <a:p>
             <a:r>
               <a:rPr lang="et-EE" dirty="0" smtClean="0"/>
-              <a:t>FnAddSnacks – </a:t>
-            </a:r>
-            <a:r>
-              <a:rPr lang="ru-RU"/>
+              <a:t>FnAddCategory – </a:t>
+            </a:r>
+            <a:r>
+              <a:rPr lang="ru-RU" dirty="0"/>
               <a:t>процедура </a:t>
             </a:r>
             <a:r>
               <a:rPr lang="ru-RU" dirty="0" smtClean="0"/>
-              <a:t>добавления закусок.</a:t>
+              <a:t>добавления категории.</a:t>
             </a:r>
           </a:p>
           <a:p>
             <a:r>
               <a:rPr lang="ru-RU" dirty="0" smtClean="0"/>
-              <a:t>Принимает категорию закуски, название и цену.</a:t>
+              <a:t>Принимает описание категории.</a:t>
+            </a:r>
+          </a:p>
+          <a:p>
+            <a:endParaRPr lang="ru-RU" dirty="0"/>
+          </a:p>
+          <a:p>
+            <a:r>
+              <a:rPr lang="et-EE" dirty="0" smtClean="0"/>
+              <a:t>fnAddEmployer – </a:t>
+            </a:r>
+            <a:r>
+              <a:rPr lang="ru-RU" dirty="0"/>
+              <a:t>процедура </a:t>
+            </a:r>
+            <a:r>
+              <a:rPr lang="ru-RU" dirty="0" smtClean="0"/>
+              <a:t>добавления работника.</a:t>
+            </a:r>
+          </a:p>
+          <a:p>
+            <a:r>
+              <a:rPr lang="ru-RU" dirty="0" smtClean="0"/>
+              <a:t>Принимает </a:t>
+            </a:r>
+            <a:r>
+              <a:rPr lang="et-EE" dirty="0" smtClean="0"/>
+              <a:t>id </a:t>
+            </a:r>
+            <a:r>
+              <a:rPr lang="ru-RU" dirty="0" smtClean="0"/>
+              <a:t>клиента, </a:t>
+            </a:r>
+            <a:r>
+              <a:rPr lang="et-EE" dirty="0" smtClean="0"/>
+              <a:t>id </a:t>
+            </a:r>
+            <a:r>
+              <a:rPr lang="ru-RU" dirty="0" smtClean="0"/>
+              <a:t>чека, имя, телефон, почту, зарплату.</a:t>
             </a:r>
             <a:endParaRPr lang="ru-RU" dirty="0"/>
           </a:p>
@@ -8141,7 +8372,7 @@
     </p:spTree>
     <p:extLst>
       <p:ext uri="{BB962C8B-B14F-4D97-AF65-F5344CB8AC3E}">
-        <p14:creationId xmlns:p14="http://schemas.microsoft.com/office/powerpoint/2010/main" val="1864815663"/>
+        <p14:creationId xmlns:p14="http://schemas.microsoft.com/office/powerpoint/2010/main" val="1182459047"/>
       </p:ext>
     </p:extLst>
   </p:cSld>
@@ -8192,7 +8423,7 @@
           <a:p>
             <a:r>
               <a:rPr lang="ru-RU" dirty="0" smtClean="0"/>
-              <a:t>Триггеры</a:t>
+              <a:t>Процедуры</a:t>
             </a:r>
             <a:endParaRPr lang="ru-RU" dirty="0"/>
           </a:p>
@@ -8214,38 +8445,47 @@
           <a:lstStyle/>
           <a:p>
             <a:r>
+              <a:rPr lang="et-EE" dirty="0" smtClean="0"/>
+              <a:t>fnAddDrinks – </a:t>
+            </a:r>
+            <a:r>
+              <a:rPr lang="ru-RU" dirty="0"/>
+              <a:t>процедура </a:t>
+            </a:r>
+            <a:r>
               <a:rPr lang="ru-RU" dirty="0" smtClean="0"/>
-              <a:t>При добавлении клиента, по его дате рождения высчитывается возраст. Если возраст клиента </a:t>
-            </a:r>
-            <a:r>
-              <a:rPr lang="en-US" dirty="0" smtClean="0"/>
-              <a:t>&gt;=18</a:t>
-            </a:r>
+              <a:t>добавления напитка.</a:t>
+            </a:r>
+          </a:p>
+          <a:p>
             <a:r>
               <a:rPr lang="ru-RU" dirty="0" smtClean="0"/>
-              <a:t>, ему присваивается статус 1</a:t>
-            </a:r>
-            <a:r>
-              <a:rPr lang="en-US" dirty="0" smtClean="0"/>
-              <a:t>;</a:t>
+              <a:t>Принимает категорию напитка, название и цену.</a:t>
+            </a:r>
+          </a:p>
+          <a:p>
+            <a:endParaRPr lang="ru-RU" dirty="0"/>
+          </a:p>
+          <a:p>
+            <a:r>
+              <a:rPr lang="et-EE" dirty="0" smtClean="0"/>
+              <a:t>FnAddSnacks – </a:t>
+            </a:r>
+            <a:r>
+              <a:rPr lang="ru-RU"/>
+              <a:t>процедура </a:t>
             </a:r>
             <a:r>
               <a:rPr lang="ru-RU" dirty="0" smtClean="0"/>
-              <a:t> если клиента </a:t>
-            </a:r>
-            <a:r>
-              <a:rPr lang="en-US" dirty="0" smtClean="0"/>
-              <a:t>&lt;18</a:t>
-            </a:r>
-            <a:r>
-              <a:rPr lang="ru-RU" dirty="0"/>
-              <a:t> , ему присваивается статус </a:t>
-            </a:r>
-            <a:r>
-              <a:rPr lang="en-US" dirty="0" smtClean="0"/>
-              <a:t>0.</a:t>
-            </a:r>
-            <a:endParaRPr lang="ru-RU" dirty="0" smtClean="0"/>
+              <a:t>добавления закусок.</a:t>
+            </a:r>
+          </a:p>
+          <a:p>
+            <a:r>
+              <a:rPr lang="ru-RU" dirty="0" smtClean="0"/>
+              <a:t>Принимает категорию закуски, название и цену.</a:t>
+            </a:r>
+            <a:endParaRPr lang="ru-RU" dirty="0"/>
           </a:p>
         </p:txBody>
       </p:sp>
@@ -8265,18 +8505,48 @@
         </p:blipFill>
         <p:spPr>
           <a:xfrm>
-            <a:off x="1103312" y="3132079"/>
-            <a:ext cx="9512762" cy="2562139"/>
+            <a:off x="1103312" y="4948413"/>
+            <a:ext cx="9221326" cy="1299986"/>
           </a:xfrm>
           <a:prstGeom prst="rect">
             <a:avLst/>
           </a:prstGeom>
         </p:spPr>
       </p:pic>
+      <p:sp>
+        <p:nvSpPr>
+          <p:cNvPr id="5" name="TextBox 4"/>
+          <p:cNvSpPr txBox="1"/>
+          <p:nvPr/>
+        </p:nvSpPr>
+        <p:spPr>
+          <a:xfrm>
+            <a:off x="1103312" y="4579081"/>
+            <a:ext cx="2539478" cy="369332"/>
+          </a:xfrm>
+          <a:prstGeom prst="rect">
+            <a:avLst/>
+          </a:prstGeom>
+          <a:noFill/>
+        </p:spPr>
+        <p:txBody>
+          <a:bodyPr wrap="none" rtlCol="0">
+            <a:spAutoFit/>
+          </a:bodyPr>
+          <a:lstStyle/>
+          <a:p>
+            <a:r>
+              <a:rPr lang="ru-RU" dirty="0" smtClean="0"/>
+              <a:t>Пример процедуры</a:t>
+            </a:r>
+            <a:endParaRPr lang="en-GB" dirty="0"/>
+          </a:p>
+        </p:txBody>
+      </p:sp>
     </p:spTree>
     <p:extLst>
       <p:ext uri="{BB962C8B-B14F-4D97-AF65-F5344CB8AC3E}">
-        <p14:creationId xmlns:p14="http://schemas.microsoft.com/office/powerpoint/2010/main" val="167372693"/>
+        <p14:creationId xmlns:p14="http://schemas.microsoft.com/office/powerpoint/2010/main" val="1864815663"/>
       </p:ext>
     </p:extLst>
   </p:cSld>
